--- a/GJF - ჯგუფური პროექტი/Docs/ფინალური რეფერატი/პრეზენტაცია - პროგრამული სისტემები სპორტის მენეჯმენტში ძიუდოს მაგალითზე.pptx
+++ b/GJF - ჯგუფური პროექტი/Docs/ფინალური რეფერატი/პრეზენტაცია - პროგრამული სისტემები სპორტის მენეჯმენტში ძიუდოს მაგალითზე.pptx
@@ -112,6 +112,11 @@
       </a:defRPr>
     </a:lvl9pPr>
   </p:defaultTextStyle>
+  <p:extLst>
+    <p:ext uri="{EFAFB233-063F-42B5-8137-9DF3F51BA10A}">
+      <p15:sldGuideLst xmlns:p15="http://schemas.microsoft.com/office/powerpoint/2012/main"/>
+    </p:ext>
+  </p:extLst>
 </p:presentation>
 </file>
 
@@ -298,7 +303,7 @@
           <a:p>
             <a:fld id="{444B0D60-48DB-4C5D-A45D-6E23E115878B}" type="datetimeFigureOut">
               <a:rPr lang="en-US" smtClean="0"/>
-              <a:t>09-Jul-18</a:t>
+              <a:t>13-Jul-18</a:t>
             </a:fld>
             <a:endParaRPr lang="en-US"/>
           </a:p>
@@ -573,7 +578,7 @@
           <a:p>
             <a:fld id="{444B0D60-48DB-4C5D-A45D-6E23E115878B}" type="datetimeFigureOut">
               <a:rPr lang="en-US" smtClean="0"/>
-              <a:t>09-Jul-18</a:t>
+              <a:t>13-Jul-18</a:t>
             </a:fld>
             <a:endParaRPr lang="en-US"/>
           </a:p>
@@ -767,7 +772,7 @@
           <a:p>
             <a:fld id="{444B0D60-48DB-4C5D-A45D-6E23E115878B}" type="datetimeFigureOut">
               <a:rPr lang="en-US" smtClean="0"/>
-              <a:t>09-Jul-18</a:t>
+              <a:t>13-Jul-18</a:t>
             </a:fld>
             <a:endParaRPr lang="en-US"/>
           </a:p>
@@ -1035,7 +1040,7 @@
           <a:p>
             <a:fld id="{444B0D60-48DB-4C5D-A45D-6E23E115878B}" type="datetimeFigureOut">
               <a:rPr lang="en-US" smtClean="0"/>
-              <a:t>09-Jul-18</a:t>
+              <a:t>13-Jul-18</a:t>
             </a:fld>
             <a:endParaRPr lang="en-US"/>
           </a:p>
@@ -1367,7 +1372,7 @@
           <a:p>
             <a:fld id="{444B0D60-48DB-4C5D-A45D-6E23E115878B}" type="datetimeFigureOut">
               <a:rPr lang="en-US" smtClean="0"/>
-              <a:t>09-Jul-18</a:t>
+              <a:t>13-Jul-18</a:t>
             </a:fld>
             <a:endParaRPr lang="en-US"/>
           </a:p>
@@ -1977,7 +1982,7 @@
           <a:p>
             <a:fld id="{444B0D60-48DB-4C5D-A45D-6E23E115878B}" type="datetimeFigureOut">
               <a:rPr lang="en-US" smtClean="0"/>
-              <a:t>09-Jul-18</a:t>
+              <a:t>13-Jul-18</a:t>
             </a:fld>
             <a:endParaRPr lang="en-US"/>
           </a:p>
@@ -2824,7 +2829,7 @@
           <a:p>
             <a:fld id="{444B0D60-48DB-4C5D-A45D-6E23E115878B}" type="datetimeFigureOut">
               <a:rPr lang="en-US" smtClean="0"/>
-              <a:t>09-Jul-18</a:t>
+              <a:t>13-Jul-18</a:t>
             </a:fld>
             <a:endParaRPr lang="en-US"/>
           </a:p>
@@ -2994,7 +2999,7 @@
           <a:p>
             <a:fld id="{444B0D60-48DB-4C5D-A45D-6E23E115878B}" type="datetimeFigureOut">
               <a:rPr lang="en-US" smtClean="0"/>
-              <a:t>09-Jul-18</a:t>
+              <a:t>13-Jul-18</a:t>
             </a:fld>
             <a:endParaRPr lang="en-US"/>
           </a:p>
@@ -3174,7 +3179,7 @@
           <a:p>
             <a:fld id="{444B0D60-48DB-4C5D-A45D-6E23E115878B}" type="datetimeFigureOut">
               <a:rPr lang="en-US" smtClean="0"/>
-              <a:t>09-Jul-18</a:t>
+              <a:t>13-Jul-18</a:t>
             </a:fld>
             <a:endParaRPr lang="en-US"/>
           </a:p>
@@ -3344,7 +3349,7 @@
           <a:p>
             <a:fld id="{444B0D60-48DB-4C5D-A45D-6E23E115878B}" type="datetimeFigureOut">
               <a:rPr lang="en-US" smtClean="0"/>
-              <a:t>09-Jul-18</a:t>
+              <a:t>13-Jul-18</a:t>
             </a:fld>
             <a:endParaRPr lang="en-US"/>
           </a:p>
@@ -3588,7 +3593,7 @@
           <a:p>
             <a:fld id="{444B0D60-48DB-4C5D-A45D-6E23E115878B}" type="datetimeFigureOut">
               <a:rPr lang="en-US" smtClean="0"/>
-              <a:t>09-Jul-18</a:t>
+              <a:t>13-Jul-18</a:t>
             </a:fld>
             <a:endParaRPr lang="en-US"/>
           </a:p>
@@ -3880,7 +3885,7 @@
           <a:p>
             <a:fld id="{444B0D60-48DB-4C5D-A45D-6E23E115878B}" type="datetimeFigureOut">
               <a:rPr lang="en-US" smtClean="0"/>
-              <a:t>09-Jul-18</a:t>
+              <a:t>13-Jul-18</a:t>
             </a:fld>
             <a:endParaRPr lang="en-US"/>
           </a:p>
@@ -4318,7 +4323,7 @@
           <a:p>
             <a:fld id="{444B0D60-48DB-4C5D-A45D-6E23E115878B}" type="datetimeFigureOut">
               <a:rPr lang="en-US" smtClean="0"/>
-              <a:t>09-Jul-18</a:t>
+              <a:t>13-Jul-18</a:t>
             </a:fld>
             <a:endParaRPr lang="en-US"/>
           </a:p>
@@ -4436,7 +4441,7 @@
           <a:p>
             <a:fld id="{444B0D60-48DB-4C5D-A45D-6E23E115878B}" type="datetimeFigureOut">
               <a:rPr lang="en-US" smtClean="0"/>
-              <a:t>09-Jul-18</a:t>
+              <a:t>13-Jul-18</a:t>
             </a:fld>
             <a:endParaRPr lang="en-US"/>
           </a:p>
@@ -4531,7 +4536,7 @@
           <a:p>
             <a:fld id="{444B0D60-48DB-4C5D-A45D-6E23E115878B}" type="datetimeFigureOut">
               <a:rPr lang="en-US" smtClean="0"/>
-              <a:t>09-Jul-18</a:t>
+              <a:t>13-Jul-18</a:t>
             </a:fld>
             <a:endParaRPr lang="en-US"/>
           </a:p>
@@ -4810,7 +4815,7 @@
           <a:p>
             <a:fld id="{444B0D60-48DB-4C5D-A45D-6E23E115878B}" type="datetimeFigureOut">
               <a:rPr lang="en-US" smtClean="0"/>
-              <a:t>09-Jul-18</a:t>
+              <a:t>13-Jul-18</a:t>
             </a:fld>
             <a:endParaRPr lang="en-US"/>
           </a:p>
@@ -5085,7 +5090,7 @@
           <a:p>
             <a:fld id="{444B0D60-48DB-4C5D-A45D-6E23E115878B}" type="datetimeFigureOut">
               <a:rPr lang="en-US" smtClean="0"/>
-              <a:t>09-Jul-18</a:t>
+              <a:t>13-Jul-18</a:t>
             </a:fld>
             <a:endParaRPr lang="en-US"/>
           </a:p>
@@ -5514,7 +5519,7 @@
           <a:p>
             <a:fld id="{444B0D60-48DB-4C5D-A45D-6E23E115878B}" type="datetimeFigureOut">
               <a:rPr lang="en-US" smtClean="0"/>
-              <a:t>09-Jul-18</a:t>
+              <a:t>13-Jul-18</a:t>
             </a:fld>
             <a:endParaRPr lang="en-US"/>
           </a:p>
@@ -8058,13 +8063,8 @@
             </a:pPr>
             <a:r>
               <a:rPr lang="en-US" dirty="0"/>
-              <a:t>Responsive </a:t>
-            </a:r>
-            <a:r>
-              <a:rPr lang="en-US" dirty="0" err="1"/>
-              <a:t>Designe</a:t>
-            </a:r>
-            <a:endParaRPr lang="en-US" dirty="0"/>
+              <a:t>Responsive Design</a:t>
+            </a:r>
           </a:p>
           <a:p>
             <a:pPr marL="285750" indent="-285750">
